--- a/STAT-Results.pptx
+++ b/STAT-Results.pptx
@@ -215,7 +215,7 @@
           <a:p>
             <a:fld id="{5196B35F-5AB6-FB46-844F-7B9A10283D79}" type="datetimeFigureOut">
               <a:rPr lang="pt-PT" smtClean="0"/>
-              <a:t>02/11/17</a:t>
+              <a:t>03/11/17</a:t>
             </a:fld>
             <a:endParaRPr lang="pt-PT"/>
           </a:p>
@@ -614,7 +614,7 @@
           <a:p>
             <a:fld id="{66991454-DA71-BE44-B252-A2D4E11BB13A}" type="datetimeFigureOut">
               <a:rPr lang="pt-PT" smtClean="0"/>
-              <a:t>02/11/17</a:t>
+              <a:t>03/11/17</a:t>
             </a:fld>
             <a:endParaRPr lang="pt-PT"/>
           </a:p>
@@ -784,7 +784,7 @@
           <a:p>
             <a:fld id="{66991454-DA71-BE44-B252-A2D4E11BB13A}" type="datetimeFigureOut">
               <a:rPr lang="pt-PT" smtClean="0"/>
-              <a:t>02/11/17</a:t>
+              <a:t>03/11/17</a:t>
             </a:fld>
             <a:endParaRPr lang="pt-PT"/>
           </a:p>
@@ -964,7 +964,7 @@
           <a:p>
             <a:fld id="{66991454-DA71-BE44-B252-A2D4E11BB13A}" type="datetimeFigureOut">
               <a:rPr lang="pt-PT" smtClean="0"/>
-              <a:t>02/11/17</a:t>
+              <a:t>03/11/17</a:t>
             </a:fld>
             <a:endParaRPr lang="pt-PT"/>
           </a:p>
@@ -1134,7 +1134,7 @@
           <a:p>
             <a:fld id="{66991454-DA71-BE44-B252-A2D4E11BB13A}" type="datetimeFigureOut">
               <a:rPr lang="pt-PT" smtClean="0"/>
-              <a:t>02/11/17</a:t>
+              <a:t>03/11/17</a:t>
             </a:fld>
             <a:endParaRPr lang="pt-PT"/>
           </a:p>
@@ -1380,7 +1380,7 @@
           <a:p>
             <a:fld id="{66991454-DA71-BE44-B252-A2D4E11BB13A}" type="datetimeFigureOut">
               <a:rPr lang="pt-PT" smtClean="0"/>
-              <a:t>02/11/17</a:t>
+              <a:t>03/11/17</a:t>
             </a:fld>
             <a:endParaRPr lang="pt-PT"/>
           </a:p>
@@ -1612,7 +1612,7 @@
           <a:p>
             <a:fld id="{66991454-DA71-BE44-B252-A2D4E11BB13A}" type="datetimeFigureOut">
               <a:rPr lang="pt-PT" smtClean="0"/>
-              <a:t>02/11/17</a:t>
+              <a:t>03/11/17</a:t>
             </a:fld>
             <a:endParaRPr lang="pt-PT"/>
           </a:p>
@@ -1979,7 +1979,7 @@
           <a:p>
             <a:fld id="{66991454-DA71-BE44-B252-A2D4E11BB13A}" type="datetimeFigureOut">
               <a:rPr lang="pt-PT" smtClean="0"/>
-              <a:t>02/11/17</a:t>
+              <a:t>03/11/17</a:t>
             </a:fld>
             <a:endParaRPr lang="pt-PT"/>
           </a:p>
@@ -2097,7 +2097,7 @@
           <a:p>
             <a:fld id="{66991454-DA71-BE44-B252-A2D4E11BB13A}" type="datetimeFigureOut">
               <a:rPr lang="pt-PT" smtClean="0"/>
-              <a:t>02/11/17</a:t>
+              <a:t>03/11/17</a:t>
             </a:fld>
             <a:endParaRPr lang="pt-PT"/>
           </a:p>
@@ -2192,7 +2192,7 @@
           <a:p>
             <a:fld id="{66991454-DA71-BE44-B252-A2D4E11BB13A}" type="datetimeFigureOut">
               <a:rPr lang="pt-PT" smtClean="0"/>
-              <a:t>02/11/17</a:t>
+              <a:t>03/11/17</a:t>
             </a:fld>
             <a:endParaRPr lang="pt-PT"/>
           </a:p>
@@ -2469,7 +2469,7 @@
           <a:p>
             <a:fld id="{66991454-DA71-BE44-B252-A2D4E11BB13A}" type="datetimeFigureOut">
               <a:rPr lang="pt-PT" smtClean="0"/>
-              <a:t>02/11/17</a:t>
+              <a:t>03/11/17</a:t>
             </a:fld>
             <a:endParaRPr lang="pt-PT"/>
           </a:p>
@@ -2722,7 +2722,7 @@
           <a:p>
             <a:fld id="{66991454-DA71-BE44-B252-A2D4E11BB13A}" type="datetimeFigureOut">
               <a:rPr lang="pt-PT" smtClean="0"/>
-              <a:t>02/11/17</a:t>
+              <a:t>03/11/17</a:t>
             </a:fld>
             <a:endParaRPr lang="pt-PT"/>
           </a:p>
@@ -2935,7 +2935,7 @@
           <a:p>
             <a:fld id="{66991454-DA71-BE44-B252-A2D4E11BB13A}" type="datetimeFigureOut">
               <a:rPr lang="pt-PT" smtClean="0"/>
-              <a:t>02/11/17</a:t>
+              <a:t>03/11/17</a:t>
             </a:fld>
             <a:endParaRPr lang="pt-PT"/>
           </a:p>
@@ -3528,7 +3528,6 @@
               <a:rPr lang="pt-BR" b="1" dirty="0"/>
               <a:t> Design</a:t>
             </a:r>
-            <a:endParaRPr lang="pt-BR" b="1" dirty="0"/>
           </a:p>
         </p:txBody>
       </p:sp>
@@ -3742,7 +3741,7 @@
         </p:spPr>
         <p:txBody>
           <a:bodyPr vert="horz" lIns="91440" tIns="45720" rIns="91440" bIns="45720" rtlCol="0">
-            <a:normAutofit/>
+            <a:normAutofit fontScale="77500" lnSpcReduction="20000"/>
           </a:bodyPr>
           <a:lstStyle>
             <a:lvl1pPr marL="0" indent="0" algn="ctr" defTabSz="914400" rtl="0" eaLnBrk="1" latinLnBrk="0" hangingPunct="1">
@@ -3950,6 +3949,301 @@
               <a:t>Question</a:t>
             </a:r>
             <a:endParaRPr lang="pt-BR" sz="2000" b="1" dirty="0" smtClean="0"/>
+          </a:p>
+          <a:p>
+            <a:pPr algn="l"/>
+            <a:endParaRPr lang="pt-BR" sz="2000" b="1" dirty="0"/>
+          </a:p>
+          <a:p>
+            <a:pPr algn="l"/>
+            <a:endParaRPr lang="pt-BR" sz="2000" b="1" dirty="0" smtClean="0"/>
+          </a:p>
+          <a:p>
+            <a:pPr algn="l"/>
+            <a:endParaRPr lang="pt-BR" sz="2000" b="1" dirty="0"/>
+          </a:p>
+          <a:p>
+            <a:pPr algn="l"/>
+            <a:endParaRPr lang="pt-BR" sz="2000" b="1" dirty="0" smtClean="0"/>
+          </a:p>
+          <a:p>
+            <a:pPr algn="l"/>
+            <a:endParaRPr lang="pt-BR" sz="2000" b="1" dirty="0"/>
+          </a:p>
+          <a:p>
+            <a:pPr algn="l"/>
+            <a:endParaRPr lang="pt-BR" sz="2000" b="1" dirty="0" smtClean="0"/>
+          </a:p>
+          <a:p>
+            <a:pPr algn="l"/>
+            <a:r>
+              <a:rPr lang="pt-BR" sz="2000" b="1" dirty="0" smtClean="0"/>
+              <a:t>3.1 </a:t>
+            </a:r>
+            <a:r>
+              <a:rPr lang="mr-IN" sz="2000" b="1" dirty="0" smtClean="0"/>
+              <a:t>–</a:t>
+            </a:r>
+            <a:r>
+              <a:rPr lang="pt-BR" sz="2000" b="1" dirty="0" smtClean="0"/>
+              <a:t> </a:t>
+            </a:r>
+            <a:r>
+              <a:rPr lang="pt-BR" sz="2000" b="1" dirty="0" err="1" smtClean="0"/>
+              <a:t>To</a:t>
+            </a:r>
+            <a:r>
+              <a:rPr lang="pt-BR" sz="2000" b="1" dirty="0" smtClean="0"/>
+              <a:t> </a:t>
+            </a:r>
+            <a:r>
+              <a:rPr lang="pt-BR" sz="2000" b="1" dirty="0" err="1" smtClean="0"/>
+              <a:t>get</a:t>
+            </a:r>
+            <a:r>
+              <a:rPr lang="pt-BR" sz="2000" b="1" dirty="0" smtClean="0"/>
+              <a:t> a RANKING </a:t>
+            </a:r>
+            <a:r>
+              <a:rPr lang="pt-BR" sz="2000" b="1" dirty="0" err="1" smtClean="0"/>
+              <a:t>statist</a:t>
+            </a:r>
+            <a:r>
+              <a:rPr lang="pt-BR" sz="2000" b="1" dirty="0" smtClean="0"/>
+              <a:t> </a:t>
+            </a:r>
+            <a:r>
+              <a:rPr lang="pt-BR" sz="2000" b="1" dirty="0" err="1" smtClean="0"/>
+              <a:t>based</a:t>
+            </a:r>
+            <a:r>
+              <a:rPr lang="pt-BR" sz="2000" b="1" dirty="0" smtClean="0"/>
+              <a:t> in </a:t>
+            </a:r>
+            <a:r>
+              <a:rPr lang="pt-BR" sz="2000" b="1" dirty="0" err="1" smtClean="0"/>
+              <a:t>Keyword</a:t>
+            </a:r>
+            <a:r>
+              <a:rPr lang="pt-BR" sz="2000" b="1" dirty="0" smtClean="0"/>
+              <a:t>, Market, </a:t>
+            </a:r>
+            <a:r>
+              <a:rPr lang="pt-BR" sz="2000" b="1" dirty="0" err="1" smtClean="0"/>
+              <a:t>device</a:t>
+            </a:r>
+            <a:r>
+              <a:rPr lang="pt-BR" sz="2000" b="1" dirty="0" smtClean="0"/>
+              <a:t> </a:t>
+            </a:r>
+            <a:r>
+              <a:rPr lang="pt-BR" sz="2000" b="1" dirty="0" err="1" smtClean="0"/>
+              <a:t>and</a:t>
+            </a:r>
+            <a:r>
+              <a:rPr lang="pt-BR" sz="2000" b="1" dirty="0" smtClean="0"/>
+              <a:t> </a:t>
+            </a:r>
+            <a:r>
+              <a:rPr lang="pt-BR" sz="2000" b="1" dirty="0" err="1" smtClean="0"/>
+              <a:t>location</a:t>
+            </a:r>
+            <a:r>
+              <a:rPr lang="pt-BR" sz="2000" b="1" dirty="0" smtClean="0"/>
+              <a:t>:</a:t>
+            </a:r>
+          </a:p>
+          <a:p>
+            <a:pPr algn="l"/>
+            <a:r>
+              <a:rPr lang="pt-BR" sz="2000" dirty="0" err="1" smtClean="0"/>
+              <a:t>Select</a:t>
+            </a:r>
+            <a:r>
+              <a:rPr lang="pt-BR" sz="2000" dirty="0" smtClean="0"/>
+              <a:t> </a:t>
+            </a:r>
+            <a:r>
+              <a:rPr lang="pt-BR" sz="2000" dirty="0"/>
+              <a:t>t.*, </a:t>
+            </a:r>
+            <a:r>
+              <a:rPr lang="pt-BR" sz="2000" dirty="0" err="1"/>
+              <a:t>rank</a:t>
+            </a:r>
+            <a:r>
+              <a:rPr lang="pt-BR" sz="2000" dirty="0"/>
+              <a:t>() over (ORDER BY </a:t>
+            </a:r>
+            <a:r>
+              <a:rPr lang="pt-BR" sz="2000" dirty="0" err="1"/>
+              <a:t>t.tot</a:t>
+            </a:r>
+            <a:r>
+              <a:rPr lang="pt-BR" sz="2000" dirty="0"/>
+              <a:t> DESC) as RANKING </a:t>
+            </a:r>
+            <a:r>
+              <a:rPr lang="pt-BR" sz="2000" dirty="0" err="1"/>
+              <a:t>from</a:t>
+            </a:r>
+            <a:r>
+              <a:rPr lang="pt-BR" sz="2000" dirty="0"/>
+              <a:t> (    </a:t>
+            </a:r>
+            <a:endParaRPr lang="pt-BR" sz="2000" dirty="0" smtClean="0"/>
+          </a:p>
+          <a:p>
+            <a:pPr algn="l"/>
+            <a:r>
+              <a:rPr lang="pt-BR" sz="2000" dirty="0" smtClean="0"/>
+              <a:t>	</a:t>
+            </a:r>
+            <a:r>
+              <a:rPr lang="pt-BR" sz="2000" dirty="0" err="1" smtClean="0"/>
+              <a:t>Select</a:t>
+            </a:r>
+            <a:r>
+              <a:rPr lang="pt-BR" sz="2000" dirty="0" smtClean="0"/>
+              <a:t> </a:t>
+            </a:r>
+            <a:r>
+              <a:rPr lang="pt-BR" sz="2000" dirty="0" err="1"/>
+              <a:t>tt.keyword</a:t>
+            </a:r>
+            <a:r>
+              <a:rPr lang="pt-BR" sz="2000" dirty="0"/>
+              <a:t>, </a:t>
+            </a:r>
+            <a:r>
+              <a:rPr lang="pt-BR" sz="2000" dirty="0" err="1"/>
+              <a:t>tt.market</a:t>
+            </a:r>
+            <a:r>
+              <a:rPr lang="pt-BR" sz="2000" dirty="0"/>
+              <a:t>, </a:t>
+            </a:r>
+            <a:r>
+              <a:rPr lang="pt-BR" sz="2000" dirty="0" err="1"/>
+              <a:t>tt.device</a:t>
+            </a:r>
+            <a:r>
+              <a:rPr lang="pt-BR" sz="2000" dirty="0"/>
+              <a:t>, </a:t>
+            </a:r>
+            <a:r>
+              <a:rPr lang="pt-BR" sz="2000" dirty="0" err="1"/>
+              <a:t>tt.location</a:t>
+            </a:r>
+            <a:r>
+              <a:rPr lang="pt-BR" sz="2000" dirty="0"/>
+              <a:t>, </a:t>
+            </a:r>
+            <a:r>
+              <a:rPr lang="pt-BR" sz="2000" dirty="0" err="1"/>
+              <a:t>count</a:t>
+            </a:r>
+            <a:r>
+              <a:rPr lang="pt-BR" sz="2000" dirty="0"/>
+              <a:t>(0) as </a:t>
+            </a:r>
+            <a:r>
+              <a:rPr lang="pt-BR" sz="2000" dirty="0" err="1"/>
+              <a:t>tot</a:t>
+            </a:r>
+            <a:r>
+              <a:rPr lang="pt-BR" sz="2000" dirty="0"/>
+              <a:t>    </a:t>
+            </a:r>
+            <a:endParaRPr lang="pt-BR" sz="2000" dirty="0" smtClean="0"/>
+          </a:p>
+          <a:p>
+            <a:pPr algn="l"/>
+            <a:r>
+              <a:rPr lang="pt-BR" sz="2000" dirty="0" smtClean="0"/>
+              <a:t>	FROM </a:t>
+            </a:r>
+            <a:r>
+              <a:rPr lang="pt-BR" sz="2000" dirty="0" err="1"/>
+              <a:t>stat.stat_question_three</a:t>
+            </a:r>
+            <a:r>
+              <a:rPr lang="pt-BR" sz="2000" dirty="0"/>
+              <a:t> </a:t>
+            </a:r>
+            <a:r>
+              <a:rPr lang="pt-BR" sz="2000" dirty="0" err="1"/>
+              <a:t>tt</a:t>
+            </a:r>
+            <a:r>
+              <a:rPr lang="pt-BR" sz="2000" dirty="0"/>
+              <a:t>    </a:t>
+            </a:r>
+            <a:endParaRPr lang="pt-BR" sz="2000" dirty="0" smtClean="0"/>
+          </a:p>
+          <a:p>
+            <a:pPr algn="l"/>
+            <a:r>
+              <a:rPr lang="pt-BR" sz="2000" smtClean="0"/>
+              <a:t>	group</a:t>
+            </a:r>
+            <a:r>
+              <a:rPr lang="pt-BR" sz="2000" dirty="0" smtClean="0"/>
+              <a:t> </a:t>
+            </a:r>
+            <a:r>
+              <a:rPr lang="pt-BR" sz="2000" dirty="0" err="1"/>
+              <a:t>by</a:t>
+            </a:r>
+            <a:r>
+              <a:rPr lang="pt-BR" sz="2000" dirty="0"/>
+              <a:t> </a:t>
+            </a:r>
+            <a:r>
+              <a:rPr lang="pt-BR" sz="2000" dirty="0" err="1"/>
+              <a:t>tt.keyword</a:t>
+            </a:r>
+            <a:r>
+              <a:rPr lang="pt-BR" sz="2000" dirty="0"/>
+              <a:t>, </a:t>
+            </a:r>
+            <a:r>
+              <a:rPr lang="pt-BR" sz="2000" dirty="0" err="1"/>
+              <a:t>tt.market</a:t>
+            </a:r>
+            <a:r>
+              <a:rPr lang="pt-BR" sz="2000" dirty="0"/>
+              <a:t>, </a:t>
+            </a:r>
+            <a:r>
+              <a:rPr lang="pt-BR" sz="2000" dirty="0" err="1"/>
+              <a:t>tt.device</a:t>
+            </a:r>
+            <a:r>
+              <a:rPr lang="pt-BR" sz="2000" dirty="0"/>
+              <a:t>, </a:t>
+            </a:r>
+            <a:r>
+              <a:rPr lang="pt-BR" sz="2000" dirty="0" err="1" smtClean="0"/>
+              <a:t>tt.location</a:t>
+            </a:r>
+            <a:endParaRPr lang="pt-BR" sz="2000" dirty="0" smtClean="0"/>
+          </a:p>
+          <a:p>
+            <a:pPr algn="l"/>
+            <a:r>
+              <a:rPr lang="pt-BR" sz="2000" dirty="0" smtClean="0"/>
+              <a:t>) </a:t>
+            </a:r>
+            <a:r>
+              <a:rPr lang="pt-BR" sz="2000" dirty="0" err="1"/>
+              <a:t>t</a:t>
+            </a:r>
+            <a:r>
+              <a:rPr lang="pt-BR" sz="2000" dirty="0"/>
+              <a:t>;</a:t>
+            </a:r>
+            <a:endParaRPr lang="pt-BR" sz="2000" dirty="0" smtClean="0"/>
           </a:p>
         </p:txBody>
       </p:sp>
@@ -3969,8 +4263,8 @@
         </p:blipFill>
         <p:spPr>
           <a:xfrm>
-            <a:off x="344852" y="3473450"/>
-            <a:ext cx="11366500" cy="1854200"/>
+            <a:off x="398584" y="3066133"/>
+            <a:ext cx="8892933" cy="1450691"/>
           </a:xfrm>
           <a:prstGeom prst="rect">
             <a:avLst/>
@@ -4088,7 +4382,6 @@
               <a:rPr lang="pt-BR" b="1" dirty="0"/>
               <a:t> Design</a:t>
             </a:r>
-            <a:endParaRPr lang="pt-BR" b="1" dirty="0"/>
           </a:p>
         </p:txBody>
       </p:sp>
@@ -4676,7 +4969,6 @@
               <a:rPr lang="pt-BR" b="1" dirty="0"/>
               <a:t> Design</a:t>
             </a:r>
-            <a:endParaRPr lang="pt-BR" b="1" dirty="0"/>
           </a:p>
         </p:txBody>
       </p:sp>
@@ -5453,7 +5745,6 @@
               <a:rPr lang="pt-BR" b="1" dirty="0"/>
               <a:t> Design</a:t>
             </a:r>
-            <a:endParaRPr lang="pt-BR" b="1" dirty="0"/>
           </a:p>
         </p:txBody>
       </p:sp>
@@ -6097,7 +6388,6 @@
               <a:rPr lang="pt-BR" b="1" dirty="0"/>
               <a:t> Design</a:t>
             </a:r>
-            <a:endParaRPr lang="pt-BR" b="1" dirty="0"/>
           </a:p>
         </p:txBody>
       </p:sp>
@@ -12112,7 +12402,6 @@
               <a:rPr lang="pt-BR" dirty="0"/>
               <a:t>: </a:t>
             </a:r>
-            <a:endParaRPr lang="pt-BR" dirty="0"/>
           </a:p>
           <a:p>
             <a:pPr algn="l"/>
@@ -12552,7 +12841,6 @@
               <a:rPr lang="pt-BR" dirty="0"/>
               <a:t>. </a:t>
             </a:r>
-            <a:endParaRPr lang="pt-BR" dirty="0"/>
           </a:p>
           <a:p>
             <a:pPr algn="l"/>
@@ -12852,7 +13140,6 @@
               <a:rPr lang="pt-BR" dirty="0"/>
               <a:t>. </a:t>
             </a:r>
-            <a:endParaRPr lang="pt-BR" dirty="0"/>
           </a:p>
           <a:p>
             <a:pPr algn="l"/>
@@ -15536,7 +15823,6 @@
               <a:rPr lang="pt-BR" b="1" dirty="0"/>
               <a:t> Design</a:t>
             </a:r>
-            <a:endParaRPr lang="pt-BR" b="1" dirty="0"/>
           </a:p>
         </p:txBody>
       </p:sp>
@@ -17101,7 +17387,6 @@
               <a:rPr lang="pt-BR" b="1" dirty="0"/>
               <a:t> Design</a:t>
             </a:r>
-            <a:endParaRPr lang="pt-BR" b="1" dirty="0"/>
           </a:p>
         </p:txBody>
       </p:sp>
@@ -17841,7 +18126,6 @@
               <a:rPr lang="pt-BR" b="1" dirty="0"/>
               <a:t> Design</a:t>
             </a:r>
-            <a:endParaRPr lang="pt-BR" b="1" dirty="0"/>
           </a:p>
         </p:txBody>
       </p:sp>
@@ -18465,7 +18749,6 @@
               <a:rPr lang="pt-BR" b="1" dirty="0"/>
               <a:t> Design</a:t>
             </a:r>
-            <a:endParaRPr lang="pt-BR" b="1" dirty="0"/>
           </a:p>
         </p:txBody>
       </p:sp>
@@ -19496,7 +19779,6 @@
               <a:rPr lang="pt-BR" b="1" dirty="0"/>
               <a:t> Design</a:t>
             </a:r>
-            <a:endParaRPr lang="pt-BR" b="1" dirty="0"/>
           </a:p>
         </p:txBody>
       </p:sp>
